--- a/발표/발표.pptx
+++ b/발표/발표.pptx
@@ -6537,7 +6537,7 @@
           <a:p>
             <a:r>
               <a:rPr lang="ko-KR" altLang="en-US" dirty="0"/>
-              <a:t>암호화의 방법</a:t>
+              <a:t>대칭키의 암호화</a:t>
             </a:r>
           </a:p>
         </p:txBody>
@@ -7975,16 +7975,450 @@
             <p:ph idx="1"/>
           </p:nvPr>
         </p:nvSpPr>
-        <p:spPr/>
+        <p:spPr>
+          <a:xfrm>
+            <a:off x="1689389" y="2133957"/>
+            <a:ext cx="2971388" cy="3965002"/>
+          </a:xfrm>
+        </p:spPr>
         <p:txBody>
           <a:bodyPr/>
           <a:lstStyle/>
           <a:p>
             <a:r>
-              <a:rPr lang="en-US" altLang="ko-KR"/>
+              <a:rPr lang="en-US" altLang="ko-KR" sz="2800" dirty="0"/>
               <a:t>HTTP</a:t>
             </a:r>
-            <a:endParaRPr lang="ko-KR" altLang="en-US" dirty="0"/>
+          </a:p>
+          <a:p>
+            <a:pPr marL="0" indent="0">
+              <a:buNone/>
+            </a:pPr>
+            <a:r>
+              <a:rPr lang="en-US" altLang="ko-KR" dirty="0"/>
+              <a:t>-</a:t>
+            </a:r>
+            <a:r>
+              <a:rPr lang="ko-KR" altLang="en-US" dirty="0"/>
+              <a:t>기본 설명</a:t>
+            </a:r>
+            <a:endParaRPr lang="en-US" altLang="ko-KR" dirty="0"/>
+          </a:p>
+          <a:p>
+            <a:pPr marL="0" indent="0">
+              <a:buNone/>
+            </a:pPr>
+            <a:r>
+              <a:rPr lang="en-US" altLang="ko-KR" dirty="0"/>
+              <a:t>-</a:t>
+            </a:r>
+            <a:r>
+              <a:rPr lang="ko-KR" altLang="en-US" dirty="0"/>
+              <a:t>왜 </a:t>
+            </a:r>
+            <a:r>
+              <a:rPr lang="en-US" altLang="ko-KR" dirty="0"/>
+              <a:t>http</a:t>
+            </a:r>
+            <a:r>
+              <a:rPr lang="ko-KR" altLang="en-US" dirty="0"/>
+              <a:t>는</a:t>
+            </a:r>
+            <a:r>
+              <a:rPr lang="en-US" altLang="ko-KR" dirty="0"/>
+              <a:t>…</a:t>
+            </a:r>
+          </a:p>
+          <a:p>
+            <a:pPr marL="0" indent="0">
+              <a:buNone/>
+            </a:pPr>
+            <a:r>
+              <a:rPr lang="en-US" altLang="ko-KR" dirty="0"/>
+              <a:t>-http</a:t>
+            </a:r>
+            <a:r>
+              <a:rPr lang="ko-KR" altLang="en-US" dirty="0"/>
+              <a:t>의 통신 방식</a:t>
+            </a:r>
+            <a:endParaRPr lang="en-US" altLang="ko-KR" dirty="0"/>
+          </a:p>
+          <a:p>
+            <a:pPr marL="0" indent="0">
+              <a:buNone/>
+            </a:pPr>
+            <a:r>
+              <a:rPr lang="en-US" altLang="ko-KR" dirty="0"/>
+              <a:t>-http</a:t>
+            </a:r>
+            <a:r>
+              <a:rPr lang="ko-KR" altLang="en-US" dirty="0"/>
+              <a:t>는 </a:t>
+            </a:r>
+            <a:r>
+              <a:rPr lang="en-US" altLang="ko-KR" dirty="0"/>
+              <a:t>stateless</a:t>
+            </a:r>
+            <a:r>
+              <a:rPr lang="ko-KR" altLang="en-US" dirty="0"/>
+              <a:t>이다</a:t>
+            </a:r>
+            <a:endParaRPr lang="en-US" altLang="ko-KR" dirty="0"/>
+          </a:p>
+          <a:p>
+            <a:pPr marL="0" indent="0">
+              <a:buNone/>
+            </a:pPr>
+            <a:r>
+              <a:rPr lang="en-US" altLang="ko-KR" dirty="0"/>
+              <a:t>-http</a:t>
+            </a:r>
+            <a:r>
+              <a:rPr lang="ko-KR" altLang="en-US" dirty="0"/>
+              <a:t>구조</a:t>
+            </a:r>
+          </a:p>
+        </p:txBody>
+      </p:sp>
+      <p:sp>
+        <p:nvSpPr>
+          <p:cNvPr id="5" name="내용 개체 틀 2">
+            <a:extLst>
+              <a:ext uri="{FF2B5EF4-FFF2-40B4-BE49-F238E27FC236}">
+                <a16:creationId xmlns:a16="http://schemas.microsoft.com/office/drawing/2014/main" id="{12439B5D-D21B-4709-8B1F-1D00878A46F4}"/>
+              </a:ext>
+            </a:extLst>
+          </p:cNvPr>
+          <p:cNvSpPr txBox="1">
+            <a:spLocks/>
+          </p:cNvSpPr>
+          <p:nvPr/>
+        </p:nvSpPr>
+        <p:spPr>
+          <a:xfrm>
+            <a:off x="5170914" y="2133957"/>
+            <a:ext cx="2971388" cy="3965002"/>
+          </a:xfrm>
+          <a:prstGeom prst="rect">
+            <a:avLst/>
+          </a:prstGeom>
+        </p:spPr>
+        <p:txBody>
+          <a:bodyPr vert="horz" lIns="91440" tIns="45720" rIns="91440" bIns="45720" rtlCol="0">
+            <a:normAutofit/>
+          </a:bodyPr>
+          <a:lstStyle>
+            <a:lvl1pPr marL="342900" indent="-342900" algn="l" defTabSz="457200" rtl="0" eaLnBrk="1" latinLnBrk="1" hangingPunct="1">
+              <a:spcBef>
+                <a:spcPts val="1000"/>
+              </a:spcBef>
+              <a:spcAft>
+                <a:spcPts val="0"/>
+              </a:spcAft>
+              <a:buClr>
+                <a:schemeClr val="accent1"/>
+              </a:buClr>
+              <a:buSzPct val="80000"/>
+              <a:buFont typeface="Wingdings 3" charset="2"/>
+              <a:buChar char=""/>
+              <a:defRPr sz="1800" kern="1200">
+                <a:solidFill>
+                  <a:schemeClr val="tx1">
+                    <a:lumMod val="75000"/>
+                    <a:lumOff val="25000"/>
+                  </a:schemeClr>
+                </a:solidFill>
+                <a:latin typeface="+mn-lt"/>
+                <a:ea typeface="+mn-ea"/>
+                <a:cs typeface="+mn-cs"/>
+              </a:defRPr>
+            </a:lvl1pPr>
+            <a:lvl2pPr marL="742950" indent="-285750" algn="l" defTabSz="457200" rtl="0" eaLnBrk="1" latinLnBrk="1" hangingPunct="1">
+              <a:spcBef>
+                <a:spcPts val="1000"/>
+              </a:spcBef>
+              <a:spcAft>
+                <a:spcPts val="0"/>
+              </a:spcAft>
+              <a:buClr>
+                <a:schemeClr val="accent1"/>
+              </a:buClr>
+              <a:buSzPct val="80000"/>
+              <a:buFont typeface="Wingdings 3" charset="2"/>
+              <a:buChar char=""/>
+              <a:defRPr sz="1600" kern="1200">
+                <a:solidFill>
+                  <a:schemeClr val="tx1">
+                    <a:lumMod val="75000"/>
+                    <a:lumOff val="25000"/>
+                  </a:schemeClr>
+                </a:solidFill>
+                <a:latin typeface="+mn-lt"/>
+                <a:ea typeface="+mn-ea"/>
+                <a:cs typeface="+mn-cs"/>
+              </a:defRPr>
+            </a:lvl2pPr>
+            <a:lvl3pPr marL="1143000" indent="-228600" algn="l" defTabSz="457200" rtl="0" eaLnBrk="1" latinLnBrk="1" hangingPunct="1">
+              <a:spcBef>
+                <a:spcPts val="1000"/>
+              </a:spcBef>
+              <a:spcAft>
+                <a:spcPts val="0"/>
+              </a:spcAft>
+              <a:buClr>
+                <a:schemeClr val="accent1"/>
+              </a:buClr>
+              <a:buSzPct val="80000"/>
+              <a:buFont typeface="Wingdings 3" charset="2"/>
+              <a:buChar char=""/>
+              <a:defRPr sz="1400" kern="1200">
+                <a:solidFill>
+                  <a:schemeClr val="tx1">
+                    <a:lumMod val="75000"/>
+                    <a:lumOff val="25000"/>
+                  </a:schemeClr>
+                </a:solidFill>
+                <a:latin typeface="+mn-lt"/>
+                <a:ea typeface="+mn-ea"/>
+                <a:cs typeface="+mn-cs"/>
+              </a:defRPr>
+            </a:lvl3pPr>
+            <a:lvl4pPr marL="1600200" indent="-228600" algn="l" defTabSz="457200" rtl="0" eaLnBrk="1" latinLnBrk="1" hangingPunct="1">
+              <a:spcBef>
+                <a:spcPts val="1000"/>
+              </a:spcBef>
+              <a:spcAft>
+                <a:spcPts val="0"/>
+              </a:spcAft>
+              <a:buClr>
+                <a:schemeClr val="accent1"/>
+              </a:buClr>
+              <a:buSzPct val="80000"/>
+              <a:buFont typeface="Wingdings 3" charset="2"/>
+              <a:buChar char=""/>
+              <a:defRPr sz="1200" kern="1200">
+                <a:solidFill>
+                  <a:schemeClr val="tx1">
+                    <a:lumMod val="75000"/>
+                    <a:lumOff val="25000"/>
+                  </a:schemeClr>
+                </a:solidFill>
+                <a:latin typeface="+mn-lt"/>
+                <a:ea typeface="+mn-ea"/>
+                <a:cs typeface="+mn-cs"/>
+              </a:defRPr>
+            </a:lvl4pPr>
+            <a:lvl5pPr marL="2057400" indent="-228600" algn="l" defTabSz="457200" rtl="0" eaLnBrk="1" latinLnBrk="1" hangingPunct="1">
+              <a:spcBef>
+                <a:spcPts val="1000"/>
+              </a:spcBef>
+              <a:spcAft>
+                <a:spcPts val="0"/>
+              </a:spcAft>
+              <a:buClr>
+                <a:schemeClr val="accent1"/>
+              </a:buClr>
+              <a:buSzPct val="80000"/>
+              <a:buFont typeface="Wingdings 3" charset="2"/>
+              <a:buChar char=""/>
+              <a:defRPr sz="1200" kern="1200">
+                <a:solidFill>
+                  <a:schemeClr val="tx1">
+                    <a:lumMod val="75000"/>
+                    <a:lumOff val="25000"/>
+                  </a:schemeClr>
+                </a:solidFill>
+                <a:latin typeface="+mn-lt"/>
+                <a:ea typeface="+mn-ea"/>
+                <a:cs typeface="+mn-cs"/>
+              </a:defRPr>
+            </a:lvl5pPr>
+            <a:lvl6pPr marL="2514600" indent="-228600" algn="l" defTabSz="457200" rtl="0" eaLnBrk="1" latinLnBrk="1" hangingPunct="1">
+              <a:spcBef>
+                <a:spcPts val="1000"/>
+              </a:spcBef>
+              <a:spcAft>
+                <a:spcPts val="0"/>
+              </a:spcAft>
+              <a:buClr>
+                <a:schemeClr val="accent1"/>
+              </a:buClr>
+              <a:buSzPct val="80000"/>
+              <a:buFont typeface="Wingdings 3" charset="2"/>
+              <a:buChar char=""/>
+              <a:defRPr sz="1200" kern="1200">
+                <a:solidFill>
+                  <a:schemeClr val="tx1">
+                    <a:lumMod val="75000"/>
+                    <a:lumOff val="25000"/>
+                  </a:schemeClr>
+                </a:solidFill>
+                <a:latin typeface="+mn-lt"/>
+                <a:ea typeface="+mn-ea"/>
+                <a:cs typeface="+mn-cs"/>
+              </a:defRPr>
+            </a:lvl6pPr>
+            <a:lvl7pPr marL="2971800" indent="-228600" algn="l" defTabSz="457200" rtl="0" eaLnBrk="1" latinLnBrk="1" hangingPunct="1">
+              <a:spcBef>
+                <a:spcPts val="1000"/>
+              </a:spcBef>
+              <a:spcAft>
+                <a:spcPts val="0"/>
+              </a:spcAft>
+              <a:buClr>
+                <a:schemeClr val="accent1"/>
+              </a:buClr>
+              <a:buSzPct val="80000"/>
+              <a:buFont typeface="Wingdings 3" charset="2"/>
+              <a:buChar char=""/>
+              <a:defRPr sz="1200" kern="1200">
+                <a:solidFill>
+                  <a:schemeClr val="tx1">
+                    <a:lumMod val="75000"/>
+                    <a:lumOff val="25000"/>
+                  </a:schemeClr>
+                </a:solidFill>
+                <a:latin typeface="+mn-lt"/>
+                <a:ea typeface="+mn-ea"/>
+                <a:cs typeface="+mn-cs"/>
+              </a:defRPr>
+            </a:lvl7pPr>
+            <a:lvl8pPr marL="3429000" indent="-228600" algn="l" defTabSz="457200" rtl="0" eaLnBrk="1" latinLnBrk="1" hangingPunct="1">
+              <a:spcBef>
+                <a:spcPts val="1000"/>
+              </a:spcBef>
+              <a:spcAft>
+                <a:spcPts val="0"/>
+              </a:spcAft>
+              <a:buClr>
+                <a:schemeClr val="accent1"/>
+              </a:buClr>
+              <a:buSzPct val="80000"/>
+              <a:buFont typeface="Wingdings 3" charset="2"/>
+              <a:buChar char=""/>
+              <a:defRPr sz="1200" kern="1200">
+                <a:solidFill>
+                  <a:schemeClr val="tx1">
+                    <a:lumMod val="75000"/>
+                    <a:lumOff val="25000"/>
+                  </a:schemeClr>
+                </a:solidFill>
+                <a:latin typeface="+mn-lt"/>
+                <a:ea typeface="+mn-ea"/>
+                <a:cs typeface="+mn-cs"/>
+              </a:defRPr>
+            </a:lvl8pPr>
+            <a:lvl9pPr marL="3886200" indent="-228600" algn="l" defTabSz="457200" rtl="0" eaLnBrk="1" latinLnBrk="1" hangingPunct="1">
+              <a:spcBef>
+                <a:spcPts val="1000"/>
+              </a:spcBef>
+              <a:spcAft>
+                <a:spcPts val="0"/>
+              </a:spcAft>
+              <a:buClr>
+                <a:schemeClr val="accent1"/>
+              </a:buClr>
+              <a:buSzPct val="80000"/>
+              <a:buFont typeface="Wingdings 3" charset="2"/>
+              <a:buChar char=""/>
+              <a:defRPr sz="1200" kern="1200">
+                <a:solidFill>
+                  <a:schemeClr val="tx1">
+                    <a:lumMod val="75000"/>
+                    <a:lumOff val="25000"/>
+                  </a:schemeClr>
+                </a:solidFill>
+                <a:latin typeface="+mn-lt"/>
+                <a:ea typeface="+mn-ea"/>
+                <a:cs typeface="+mn-cs"/>
+              </a:defRPr>
+            </a:lvl9pPr>
+          </a:lstStyle>
+          <a:p>
+            <a:r>
+              <a:rPr lang="en-US" altLang="ko-KR" sz="2800" dirty="0"/>
+              <a:t>HTTPS</a:t>
+            </a:r>
+          </a:p>
+          <a:p>
+            <a:pPr marL="0" indent="0">
+              <a:buNone/>
+            </a:pPr>
+            <a:r>
+              <a:rPr lang="en-US" altLang="ko-KR" dirty="0"/>
+              <a:t>-</a:t>
+            </a:r>
+            <a:r>
+              <a:rPr lang="ko-KR" altLang="en-US" dirty="0"/>
+              <a:t>기본 설명</a:t>
+            </a:r>
+            <a:endParaRPr lang="en-US" altLang="ko-KR" dirty="0"/>
+          </a:p>
+          <a:p>
+            <a:pPr marL="0" indent="0">
+              <a:buNone/>
+            </a:pPr>
+            <a:r>
+              <a:rPr lang="en-US" altLang="ko-KR" dirty="0"/>
+              <a:t>-</a:t>
+            </a:r>
+            <a:r>
+              <a:rPr lang="ko-KR" altLang="en-US" dirty="0"/>
+              <a:t>대칭키의 암호화</a:t>
+            </a:r>
+            <a:endParaRPr lang="en-US" altLang="ko-KR" dirty="0"/>
+          </a:p>
+          <a:p>
+            <a:pPr marL="0" indent="0">
+              <a:buFont typeface="Wingdings 3" charset="2"/>
+              <a:buNone/>
+            </a:pPr>
+            <a:r>
+              <a:rPr lang="en-US" altLang="ko-KR" dirty="0"/>
+              <a:t>-</a:t>
+            </a:r>
+            <a:r>
+              <a:rPr lang="ko-KR" altLang="en-US" dirty="0"/>
+              <a:t>비대칭키의 암호화</a:t>
+            </a:r>
+            <a:endParaRPr lang="en-US" altLang="ko-KR" dirty="0"/>
+          </a:p>
+          <a:p>
+            <a:pPr marL="0" indent="0">
+              <a:buFont typeface="Wingdings 3" charset="2"/>
+              <a:buNone/>
+            </a:pPr>
+            <a:r>
+              <a:rPr lang="en-US" altLang="ko-KR" dirty="0"/>
+              <a:t>-</a:t>
+            </a:r>
+            <a:r>
+              <a:rPr lang="ko-KR" altLang="en-US" dirty="0"/>
+              <a:t>대칭</a:t>
+            </a:r>
+            <a:r>
+              <a:rPr lang="en-US" altLang="ko-KR" dirty="0"/>
+              <a:t>,</a:t>
+            </a:r>
+            <a:r>
+              <a:rPr lang="ko-KR" altLang="en-US" dirty="0"/>
+              <a:t>비대칭키의 차이점</a:t>
+            </a:r>
+            <a:endParaRPr lang="en-US" altLang="ko-KR" dirty="0"/>
+          </a:p>
+          <a:p>
+            <a:pPr marL="0" indent="0">
+              <a:buFont typeface="Wingdings 3" charset="2"/>
+              <a:buNone/>
+            </a:pPr>
+            <a:r>
+              <a:rPr lang="en-US" altLang="ko-KR" dirty="0"/>
+              <a:t>-https </a:t>
+            </a:r>
+            <a:r>
+              <a:rPr lang="ko-KR" altLang="en-US" dirty="0"/>
+              <a:t>동작과정</a:t>
+            </a:r>
           </a:p>
         </p:txBody>
       </p:sp>
